--- a/Bivariate Model Figure.pptx
+++ b/Bivariate Model Figure.pptx
@@ -383,14 +383,6 @@
             <pc:docMk/>
             <pc:sldMk cId="1899016036" sldId="264"/>
             <ac:spMk id="298" creationId="{2A7647BE-D12D-4F1C-A69F-BBBC7C01314E}"/>
-          </ac:spMkLst>
-        </pc:spChg>
-        <pc:spChg chg="del">
-          <ac:chgData name="Willie Hale" userId="660a362ada36f092" providerId="LiveId" clId="{98535E69-1689-416C-9406-0813B4AE2621}" dt="2025-10-08T15:20:52.795" v="2" actId="478"/>
-          <ac:spMkLst>
-            <pc:docMk/>
-            <pc:sldMk cId="1899016036" sldId="264"/>
-            <ac:spMk id="345" creationId="{360B6555-9C6C-4711-AC69-8A6CD09166C0}"/>
           </ac:spMkLst>
         </pc:spChg>
         <pc:grpChg chg="add mod">
@@ -796,6 +788,38 @@
     </pc:docChg>
   </pc:docChgLst>
   <pc:docChgLst>
+    <pc:chgData name="Willie Hale" userId="660a362ada36f092" providerId="LiveId" clId="{3E6770B7-8CC0-4E42-9742-1897E68BBF19}"/>
+    <pc:docChg chg="modSld">
+      <pc:chgData name="Willie Hale" userId="660a362ada36f092" providerId="LiveId" clId="{3E6770B7-8CC0-4E42-9742-1897E68BBF19}" dt="2025-11-10T23:24:51.827" v="7" actId="20577"/>
+      <pc:docMkLst>
+        <pc:docMk/>
+      </pc:docMkLst>
+      <pc:sldChg chg="modSp mod">
+        <pc:chgData name="Willie Hale" userId="660a362ada36f092" providerId="LiveId" clId="{3E6770B7-8CC0-4E42-9742-1897E68BBF19}" dt="2025-11-10T23:24:51.827" v="7" actId="20577"/>
+        <pc:sldMkLst>
+          <pc:docMk/>
+          <pc:sldMk cId="1899016036" sldId="264"/>
+        </pc:sldMkLst>
+        <pc:spChg chg="mod">
+          <ac:chgData name="Willie Hale" userId="660a362ada36f092" providerId="LiveId" clId="{3E6770B7-8CC0-4E42-9742-1897E68BBF19}" dt="2025-11-10T23:24:42.225" v="3" actId="20577"/>
+          <ac:spMkLst>
+            <pc:docMk/>
+            <pc:sldMk cId="1899016036" sldId="264"/>
+            <ac:spMk id="335" creationId="{424A24C6-5C40-41BE-A36B-E41EA528FC37}"/>
+          </ac:spMkLst>
+        </pc:spChg>
+        <pc:spChg chg="mod">
+          <ac:chgData name="Willie Hale" userId="660a362ada36f092" providerId="LiveId" clId="{3E6770B7-8CC0-4E42-9742-1897E68BBF19}" dt="2025-11-10T23:24:51.827" v="7" actId="20577"/>
+          <ac:spMkLst>
+            <pc:docMk/>
+            <pc:sldMk cId="1899016036" sldId="264"/>
+            <ac:spMk id="344" creationId="{870478AE-0F91-4087-9C68-E23B5BEEEFFA}"/>
+          </ac:spMkLst>
+        </pc:spChg>
+      </pc:sldChg>
+    </pc:docChg>
+  </pc:docChgLst>
+  <pc:docChgLst>
     <pc:chgData name="Willie Hale" userId="660a362ada36f092" providerId="LiveId" clId="{6BB1E526-0BE0-4837-ACAA-E44FBFD69DD7}"/>
     <pc:docChg chg="undo custSel addSld modSld">
       <pc:chgData name="Willie Hale" userId="660a362ada36f092" providerId="LiveId" clId="{6BB1E526-0BE0-4837-ACAA-E44FBFD69DD7}" dt="2025-09-17T18:32:25.291" v="333" actId="478"/>
@@ -808,94 +832,6 @@
           <pc:docMk/>
           <pc:sldMk cId="61888676" sldId="265"/>
         </pc:sldMkLst>
-        <pc:spChg chg="mod">
-          <ac:chgData name="Willie Hale" userId="660a362ada36f092" providerId="LiveId" clId="{6BB1E526-0BE0-4837-ACAA-E44FBFD69DD7}" dt="2025-09-17T11:37:03.206" v="330" actId="14100"/>
-          <ac:spMkLst>
-            <pc:docMk/>
-            <pc:sldMk cId="61888676" sldId="265"/>
-            <ac:spMk id="345" creationId="{360B6555-9C6C-4711-AC69-8A6CD09166C0}"/>
-          </ac:spMkLst>
-        </pc:spChg>
-        <pc:cxnChg chg="del mod">
-          <ac:chgData name="Willie Hale" userId="660a362ada36f092" providerId="LiveId" clId="{6BB1E526-0BE0-4837-ACAA-E44FBFD69DD7}" dt="2025-09-17T11:34:48.131" v="13" actId="478"/>
-          <ac:cxnSpMkLst>
-            <pc:docMk/>
-            <pc:sldMk cId="61888676" sldId="265"/>
-            <ac:cxnSpMk id="240" creationId="{55589A76-D650-40CE-808C-B3956AE105D5}"/>
-          </ac:cxnSpMkLst>
-        </pc:cxnChg>
-        <pc:cxnChg chg="del mod">
-          <ac:chgData name="Willie Hale" userId="660a362ada36f092" providerId="LiveId" clId="{6BB1E526-0BE0-4837-ACAA-E44FBFD69DD7}" dt="2025-09-17T11:34:50.108" v="14" actId="478"/>
-          <ac:cxnSpMkLst>
-            <pc:docMk/>
-            <pc:sldMk cId="61888676" sldId="265"/>
-            <ac:cxnSpMk id="244" creationId="{1DE12F2B-CAEB-4AC3-93DD-C61496CCB9FC}"/>
-          </ac:cxnSpMkLst>
-        </pc:cxnChg>
-        <pc:cxnChg chg="add del mod">
-          <ac:chgData name="Willie Hale" userId="660a362ada36f092" providerId="LiveId" clId="{6BB1E526-0BE0-4837-ACAA-E44FBFD69DD7}" dt="2025-09-17T18:32:22.305" v="331" actId="478"/>
-          <ac:cxnSpMkLst>
-            <pc:docMk/>
-            <pc:sldMk cId="61888676" sldId="265"/>
-            <ac:cxnSpMk id="247" creationId="{D6183445-C736-4373-ADE6-5C5798954E8E}"/>
-          </ac:cxnSpMkLst>
-        </pc:cxnChg>
-        <pc:cxnChg chg="add del mod">
-          <ac:chgData name="Willie Hale" userId="660a362ada36f092" providerId="LiveId" clId="{6BB1E526-0BE0-4837-ACAA-E44FBFD69DD7}" dt="2025-09-17T18:32:25.291" v="333" actId="478"/>
-          <ac:cxnSpMkLst>
-            <pc:docMk/>
-            <pc:sldMk cId="61888676" sldId="265"/>
-            <ac:cxnSpMk id="250" creationId="{C84159B8-9392-4371-A7E1-F95E6AB5AC06}"/>
-          </ac:cxnSpMkLst>
-        </pc:cxnChg>
-        <pc:cxnChg chg="del mod">
-          <ac:chgData name="Willie Hale" userId="660a362ada36f092" providerId="LiveId" clId="{6BB1E526-0BE0-4837-ACAA-E44FBFD69DD7}" dt="2025-09-17T11:34:13.750" v="1" actId="478"/>
-          <ac:cxnSpMkLst>
-            <pc:docMk/>
-            <pc:sldMk cId="61888676" sldId="265"/>
-            <ac:cxnSpMk id="253" creationId="{E10D8D09-BC20-4054-82BD-4685183B97B6}"/>
-          </ac:cxnSpMkLst>
-        </pc:cxnChg>
-        <pc:cxnChg chg="del mod">
-          <ac:chgData name="Willie Hale" userId="660a362ada36f092" providerId="LiveId" clId="{6BB1E526-0BE0-4837-ACAA-E44FBFD69DD7}" dt="2025-09-17T11:34:22.150" v="4" actId="478"/>
-          <ac:cxnSpMkLst>
-            <pc:docMk/>
-            <pc:sldMk cId="61888676" sldId="265"/>
-            <ac:cxnSpMk id="256" creationId="{7B0AAC92-06BE-48F2-A3D3-415D35DA14C8}"/>
-          </ac:cxnSpMkLst>
-        </pc:cxnChg>
-        <pc:cxnChg chg="del mod">
-          <ac:chgData name="Willie Hale" userId="660a362ada36f092" providerId="LiveId" clId="{6BB1E526-0BE0-4837-ACAA-E44FBFD69DD7}" dt="2025-09-17T11:34:23.634" v="5" actId="478"/>
-          <ac:cxnSpMkLst>
-            <pc:docMk/>
-            <pc:sldMk cId="61888676" sldId="265"/>
-            <ac:cxnSpMk id="262" creationId="{8226A0C3-430E-492B-B251-4194DCDAA20D}"/>
-          </ac:cxnSpMkLst>
-        </pc:cxnChg>
-        <pc:cxnChg chg="add del mod">
-          <ac:chgData name="Willie Hale" userId="660a362ada36f092" providerId="LiveId" clId="{6BB1E526-0BE0-4837-ACAA-E44FBFD69DD7}" dt="2025-09-17T11:34:26.951" v="6" actId="478"/>
-          <ac:cxnSpMkLst>
-            <pc:docMk/>
-            <pc:sldMk cId="61888676" sldId="265"/>
-            <ac:cxnSpMk id="272" creationId="{A07AFA96-00EB-4B1B-80C1-E0DA6DB35F6E}"/>
-          </ac:cxnSpMkLst>
-        </pc:cxnChg>
-        <pc:cxnChg chg="del mod">
-          <ac:chgData name="Willie Hale" userId="660a362ada36f092" providerId="LiveId" clId="{6BB1E526-0BE0-4837-ACAA-E44FBFD69DD7}" dt="2025-09-17T11:34:28.584" v="7" actId="478"/>
-          <ac:cxnSpMkLst>
-            <pc:docMk/>
-            <pc:sldMk cId="61888676" sldId="265"/>
-            <ac:cxnSpMk id="275" creationId="{958BEF82-F8D5-45C4-B9AB-86C8B3E1A04D}"/>
-          </ac:cxnSpMkLst>
-        </pc:cxnChg>
-        <pc:cxnChg chg="del mod">
-          <ac:chgData name="Willie Hale" userId="660a362ada36f092" providerId="LiveId" clId="{6BB1E526-0BE0-4837-ACAA-E44FBFD69DD7}" dt="2025-09-17T11:34:29.830" v="8" actId="478"/>
-          <ac:cxnSpMkLst>
-            <pc:docMk/>
-            <pc:sldMk cId="61888676" sldId="265"/>
-            <ac:cxnSpMk id="278" creationId="{E33B1CBE-4033-4086-B8B2-8C3DCC77FC91}"/>
-          </ac:cxnSpMkLst>
-        </pc:cxnChg>
       </pc:sldChg>
     </pc:docChg>
   </pc:docChgLst>
@@ -984,7 +920,7 @@
           <a:p>
             <a:fld id="{006A9EEE-227D-46E8-BC65-23F4547991CF}" type="datetimeFigureOut">
               <a:rPr lang="en-US" smtClean="0"/>
-              <a:t>10/9/2025</a:t>
+              <a:t>11/10/2025</a:t>
             </a:fld>
             <a:endParaRPr lang="en-US"/>
           </a:p>
@@ -1474,7 +1410,7 @@
             <a:fld id="{1D8BD707-D9CF-40AE-B4C6-C98DA3205C09}" type="datetimeFigureOut">
               <a:rPr lang="en-US"/>
               <a:pPr/>
-              <a:t>10/9/2025</a:t>
+              <a:t>11/10/2025</a:t>
             </a:fld>
             <a:endParaRPr lang="en-US"/>
           </a:p>
@@ -1670,7 +1606,7 @@
             <a:fld id="{1D8BD707-D9CF-40AE-B4C6-C98DA3205C09}" type="datetimeFigureOut">
               <a:rPr lang="en-US"/>
               <a:pPr/>
-              <a:t>10/9/2025</a:t>
+              <a:t>11/10/2025</a:t>
             </a:fld>
             <a:endParaRPr lang="en-US"/>
           </a:p>
@@ -1898,7 +1834,7 @@
             <a:fld id="{1D8BD707-D9CF-40AE-B4C6-C98DA3205C09}" type="datetimeFigureOut">
               <a:rPr lang="en-US"/>
               <a:pPr/>
-              <a:t>10/9/2025</a:t>
+              <a:t>11/10/2025</a:t>
             </a:fld>
             <a:endParaRPr lang="en-US"/>
           </a:p>
@@ -2060,7 +1996,7 @@
             <a:fld id="{1D8BD707-D9CF-40AE-B4C6-C98DA3205C09}" type="datetimeFigureOut">
               <a:rPr lang="en-US"/>
               <a:pPr/>
-              <a:t>10/9/2025</a:t>
+              <a:t>11/10/2025</a:t>
             </a:fld>
             <a:endParaRPr lang="en-US"/>
           </a:p>
@@ -2188,7 +2124,7 @@
             <a:fld id="{1D8BD707-D9CF-40AE-B4C6-C98DA3205C09}" type="datetimeFigureOut">
               <a:rPr lang="en-US"/>
               <a:pPr/>
-              <a:t>10/9/2025</a:t>
+              <a:t>11/10/2025</a:t>
             </a:fld>
             <a:endParaRPr lang="en-US"/>
           </a:p>
@@ -2422,7 +2358,7 @@
             <a:fld id="{1D8BD707-D9CF-40AE-B4C6-C98DA3205C09}" type="datetimeFigureOut">
               <a:rPr lang="en-US"/>
               <a:pPr/>
-              <a:t>10/9/2025</a:t>
+              <a:t>11/10/2025</a:t>
             </a:fld>
             <a:endParaRPr lang="en-US"/>
           </a:p>
@@ -6194,7 +6130,7 @@
               <a:pPr algn="ctr"/>
               <a:r>
                 <a:rPr lang="en-US" sz="1200" dirty="0"/>
-                <a:t>T2-T1</a:t>
+                <a:t>T1-T0</a:t>
               </a:r>
             </a:p>
           </p:txBody>
@@ -6514,9 +6450,10 @@
             <a:p>
               <a:pPr algn="ctr"/>
               <a:r>
-                <a:rPr lang="en-US" sz="1200" dirty="0"/>
-                <a:t>T2-T1</a:t>
+                <a:rPr lang="en-US" sz="1200"/>
+                <a:t>T1-T0</a:t>
               </a:r>
+              <a:endParaRPr lang="en-US" sz="1200" dirty="0"/>
             </a:p>
           </p:txBody>
         </p:sp>
